--- a/Datathon_GRUPO_33.pptx
+++ b/Datathon_GRUPO_33.pptx
@@ -29680,14 +29680,53 @@
         </p:blipFill>
         <p:spPr>
           <a:xfrm>
-            <a:off x="973394" y="1734108"/>
-            <a:ext cx="10161638" cy="4707312"/>
+            <a:off x="1157748" y="1734108"/>
+            <a:ext cx="10161638" cy="4342227"/>
           </a:xfrm>
           <a:prstGeom prst="rect">
             <a:avLst/>
           </a:prstGeom>
         </p:spPr>
       </p:pic>
+      <p:sp>
+        <p:nvSpPr>
+          <p:cNvPr id="3" name="CaixaDeTexto 2">
+            <a:extLst>
+              <a:ext uri="{FF2B5EF4-FFF2-40B4-BE49-F238E27FC236}">
+                <a16:creationId xmlns:a16="http://schemas.microsoft.com/office/drawing/2014/main" id="{C46418ED-0743-DA8C-DB9A-6B2A15CD52A3}"/>
+              </a:ext>
+            </a:extLst>
+          </p:cNvPr>
+          <p:cNvSpPr txBox="1"/>
+          <p:nvPr/>
+        </p:nvSpPr>
+        <p:spPr>
+          <a:xfrm>
+            <a:off x="1504334" y="6179810"/>
+            <a:ext cx="9527459" cy="523220"/>
+          </a:xfrm>
+          <a:prstGeom prst="rect">
+            <a:avLst/>
+          </a:prstGeom>
+          <a:noFill/>
+        </p:spPr>
+        <p:txBody>
+          <a:bodyPr wrap="square">
+            <a:spAutoFit/>
+          </a:bodyPr>
+          <a:lstStyle/>
+          <a:p>
+            <a:pPr algn="ctr"/>
+            <a:r>
+              <a:rPr lang="pt-BR" dirty="0">
+                <a:hlinkClick r:id="rId6"/>
+              </a:rPr>
+              <a:t>https://app.powerbi.com/view?r=eyJrIjoiYWE0NGQyNWQtODAzOS00NDIyLWI3MmEtMTU1YzJiZDdhMjNjIiwidCI6IjExZGJiZmUyLTg5YjgtNDU0OS1iZTEwLWNlYzM2NGU1OTU1MSIsImMiOjR9</a:t>
+            </a:r>
+            <a:endParaRPr lang="pt-BR" dirty="0"/>
+          </a:p>
+        </p:txBody>
+      </p:sp>
     </p:spTree>
     <p:extLst>
       <p:ext uri="{BB962C8B-B14F-4D97-AF65-F5344CB8AC3E}">
